--- a/Урок 05. Алгоритмы/Урок 5. Алгоритмы.pptx
+++ b/Урок 05. Алгоритмы/Урок 5. Алгоритмы.pptx
@@ -226,7 +226,7 @@
           <a:p>
             <a:fld id="{604F1A3C-7094-4025-80B2-EF9BF9D263AD}" type="datetimeFigureOut">
               <a:rPr lang="en-US" smtClean="0"/>
-              <a:t>6/11/2023</a:t>
+              <a:t>10/10/2024</a:t>
             </a:fld>
             <a:endParaRPr lang="en-US"/>
           </a:p>
@@ -640,7 +640,7 @@
           <a:p>
             <a:fld id="{A765B8F1-23B3-4187-818C-C69CAAB85054}" type="datetimeFigureOut">
               <a:rPr lang="en-US" smtClean="0"/>
-              <a:t>6/11/2023</a:t>
+              <a:t>10/10/2024</a:t>
             </a:fld>
             <a:endParaRPr lang="en-US"/>
           </a:p>
@@ -838,7 +838,7 @@
           <a:p>
             <a:fld id="{A765B8F1-23B3-4187-818C-C69CAAB85054}" type="datetimeFigureOut">
               <a:rPr lang="en-US" smtClean="0"/>
-              <a:t>6/11/2023</a:t>
+              <a:t>10/10/2024</a:t>
             </a:fld>
             <a:endParaRPr lang="en-US"/>
           </a:p>
@@ -1046,7 +1046,7 @@
           <a:p>
             <a:fld id="{A765B8F1-23B3-4187-818C-C69CAAB85054}" type="datetimeFigureOut">
               <a:rPr lang="en-US" smtClean="0"/>
-              <a:t>6/11/2023</a:t>
+              <a:t>10/10/2024</a:t>
             </a:fld>
             <a:endParaRPr lang="en-US"/>
           </a:p>
@@ -1244,7 +1244,7 @@
           <a:p>
             <a:fld id="{A765B8F1-23B3-4187-818C-C69CAAB85054}" type="datetimeFigureOut">
               <a:rPr lang="en-US" smtClean="0"/>
-              <a:t>6/11/2023</a:t>
+              <a:t>10/10/2024</a:t>
             </a:fld>
             <a:endParaRPr lang="en-US"/>
           </a:p>
@@ -1519,7 +1519,7 @@
           <a:p>
             <a:fld id="{A765B8F1-23B3-4187-818C-C69CAAB85054}" type="datetimeFigureOut">
               <a:rPr lang="en-US" smtClean="0"/>
-              <a:t>6/11/2023</a:t>
+              <a:t>10/10/2024</a:t>
             </a:fld>
             <a:endParaRPr lang="en-US"/>
           </a:p>
@@ -1784,7 +1784,7 @@
           <a:p>
             <a:fld id="{A765B8F1-23B3-4187-818C-C69CAAB85054}" type="datetimeFigureOut">
               <a:rPr lang="en-US" smtClean="0"/>
-              <a:t>6/11/2023</a:t>
+              <a:t>10/10/2024</a:t>
             </a:fld>
             <a:endParaRPr lang="en-US"/>
           </a:p>
@@ -2196,7 +2196,7 @@
           <a:p>
             <a:fld id="{A765B8F1-23B3-4187-818C-C69CAAB85054}" type="datetimeFigureOut">
               <a:rPr lang="en-US" smtClean="0"/>
-              <a:t>6/11/2023</a:t>
+              <a:t>10/10/2024</a:t>
             </a:fld>
             <a:endParaRPr lang="en-US"/>
           </a:p>
@@ -2337,7 +2337,7 @@
           <a:p>
             <a:fld id="{A765B8F1-23B3-4187-818C-C69CAAB85054}" type="datetimeFigureOut">
               <a:rPr lang="en-US" smtClean="0"/>
-              <a:t>6/11/2023</a:t>
+              <a:t>10/10/2024</a:t>
             </a:fld>
             <a:endParaRPr lang="en-US"/>
           </a:p>
@@ -2450,7 +2450,7 @@
           <a:p>
             <a:fld id="{A765B8F1-23B3-4187-818C-C69CAAB85054}" type="datetimeFigureOut">
               <a:rPr lang="en-US" smtClean="0"/>
-              <a:t>6/11/2023</a:t>
+              <a:t>10/10/2024</a:t>
             </a:fld>
             <a:endParaRPr lang="en-US"/>
           </a:p>
@@ -2761,7 +2761,7 @@
           <a:p>
             <a:fld id="{A765B8F1-23B3-4187-818C-C69CAAB85054}" type="datetimeFigureOut">
               <a:rPr lang="en-US" smtClean="0"/>
-              <a:t>6/11/2023</a:t>
+              <a:t>10/10/2024</a:t>
             </a:fld>
             <a:endParaRPr lang="en-US"/>
           </a:p>
@@ -3049,7 +3049,7 @@
           <a:p>
             <a:fld id="{A765B8F1-23B3-4187-818C-C69CAAB85054}" type="datetimeFigureOut">
               <a:rPr lang="en-US" smtClean="0"/>
-              <a:t>6/11/2023</a:t>
+              <a:t>10/10/2024</a:t>
             </a:fld>
             <a:endParaRPr lang="en-US"/>
           </a:p>
@@ -3290,7 +3290,7 @@
           <a:p>
             <a:fld id="{A765B8F1-23B3-4187-818C-C69CAAB85054}" type="datetimeFigureOut">
               <a:rPr lang="en-US" smtClean="0"/>
-              <a:t>6/11/2023</a:t>
+              <a:t>10/10/2024</a:t>
             </a:fld>
             <a:endParaRPr lang="en-US"/>
           </a:p>
@@ -5091,7 +5091,29 @@
                   <a:ea typeface="Meiryo" panose="020B0604030504040204" pitchFamily="34" charset="-128"/>
                   <a:cs typeface="Arial" panose="020B0604020202020204" pitchFamily="34" charset="0"/>
                 </a:rPr>
-                <a:t> – алгоритм  приводит к определённому результату.</a:t>
+                <a:t> – </a:t>
+              </a:r>
+              <a:r>
+                <a:rPr lang="ru-RU" sz="2800">
+                  <a:solidFill>
+                    <a:srgbClr val="FFFFFF"/>
+                  </a:solidFill>
+                  <a:latin typeface="Arial" panose="020B0604020202020204" pitchFamily="34" charset="0"/>
+                  <a:ea typeface="Meiryo" panose="020B0604030504040204" pitchFamily="34" charset="-128"/>
+                  <a:cs typeface="Arial" panose="020B0604020202020204" pitchFamily="34" charset="0"/>
+                </a:rPr>
+                <a:t>алгоритм приводит </a:t>
+              </a:r>
+              <a:r>
+                <a:rPr lang="ru-RU" sz="2800" dirty="0">
+                  <a:solidFill>
+                    <a:srgbClr val="FFFFFF"/>
+                  </a:solidFill>
+                  <a:latin typeface="Arial" panose="020B0604020202020204" pitchFamily="34" charset="0"/>
+                  <a:ea typeface="Meiryo" panose="020B0604030504040204" pitchFamily="34" charset="-128"/>
+                  <a:cs typeface="Arial" panose="020B0604020202020204" pitchFamily="34" charset="0"/>
+                </a:rPr>
+                <a:t>к определённому результату.</a:t>
               </a:r>
             </a:p>
             <a:p>

--- a/Урок 05. Алгоритмы/Урок 5. Алгоритмы.pptx
+++ b/Урок 05. Алгоритмы/Урок 5. Алгоритмы.pptx
@@ -226,7 +226,7 @@
           <a:p>
             <a:fld id="{604F1A3C-7094-4025-80B2-EF9BF9D263AD}" type="datetimeFigureOut">
               <a:rPr lang="en-US" smtClean="0"/>
-              <a:t>10/10/2024</a:t>
+              <a:t>12/06/2025</a:t>
             </a:fld>
             <a:endParaRPr lang="en-US"/>
           </a:p>
@@ -640,7 +640,7 @@
           <a:p>
             <a:fld id="{A765B8F1-23B3-4187-818C-C69CAAB85054}" type="datetimeFigureOut">
               <a:rPr lang="en-US" smtClean="0"/>
-              <a:t>10/10/2024</a:t>
+              <a:t>12/06/2025</a:t>
             </a:fld>
             <a:endParaRPr lang="en-US"/>
           </a:p>
@@ -838,7 +838,7 @@
           <a:p>
             <a:fld id="{A765B8F1-23B3-4187-818C-C69CAAB85054}" type="datetimeFigureOut">
               <a:rPr lang="en-US" smtClean="0"/>
-              <a:t>10/10/2024</a:t>
+              <a:t>12/06/2025</a:t>
             </a:fld>
             <a:endParaRPr lang="en-US"/>
           </a:p>
@@ -1046,7 +1046,7 @@
           <a:p>
             <a:fld id="{A765B8F1-23B3-4187-818C-C69CAAB85054}" type="datetimeFigureOut">
               <a:rPr lang="en-US" smtClean="0"/>
-              <a:t>10/10/2024</a:t>
+              <a:t>12/06/2025</a:t>
             </a:fld>
             <a:endParaRPr lang="en-US"/>
           </a:p>
@@ -1244,7 +1244,7 @@
           <a:p>
             <a:fld id="{A765B8F1-23B3-4187-818C-C69CAAB85054}" type="datetimeFigureOut">
               <a:rPr lang="en-US" smtClean="0"/>
-              <a:t>10/10/2024</a:t>
+              <a:t>12/06/2025</a:t>
             </a:fld>
             <a:endParaRPr lang="en-US"/>
           </a:p>
@@ -1519,7 +1519,7 @@
           <a:p>
             <a:fld id="{A765B8F1-23B3-4187-818C-C69CAAB85054}" type="datetimeFigureOut">
               <a:rPr lang="en-US" smtClean="0"/>
-              <a:t>10/10/2024</a:t>
+              <a:t>12/06/2025</a:t>
             </a:fld>
             <a:endParaRPr lang="en-US"/>
           </a:p>
@@ -1784,7 +1784,7 @@
           <a:p>
             <a:fld id="{A765B8F1-23B3-4187-818C-C69CAAB85054}" type="datetimeFigureOut">
               <a:rPr lang="en-US" smtClean="0"/>
-              <a:t>10/10/2024</a:t>
+              <a:t>12/06/2025</a:t>
             </a:fld>
             <a:endParaRPr lang="en-US"/>
           </a:p>
@@ -2196,7 +2196,7 @@
           <a:p>
             <a:fld id="{A765B8F1-23B3-4187-818C-C69CAAB85054}" type="datetimeFigureOut">
               <a:rPr lang="en-US" smtClean="0"/>
-              <a:t>10/10/2024</a:t>
+              <a:t>12/06/2025</a:t>
             </a:fld>
             <a:endParaRPr lang="en-US"/>
           </a:p>
@@ -2337,7 +2337,7 @@
           <a:p>
             <a:fld id="{A765B8F1-23B3-4187-818C-C69CAAB85054}" type="datetimeFigureOut">
               <a:rPr lang="en-US" smtClean="0"/>
-              <a:t>10/10/2024</a:t>
+              <a:t>12/06/2025</a:t>
             </a:fld>
             <a:endParaRPr lang="en-US"/>
           </a:p>
@@ -2450,7 +2450,7 @@
           <a:p>
             <a:fld id="{A765B8F1-23B3-4187-818C-C69CAAB85054}" type="datetimeFigureOut">
               <a:rPr lang="en-US" smtClean="0"/>
-              <a:t>10/10/2024</a:t>
+              <a:t>12/06/2025</a:t>
             </a:fld>
             <a:endParaRPr lang="en-US"/>
           </a:p>
@@ -2761,7 +2761,7 @@
           <a:p>
             <a:fld id="{A765B8F1-23B3-4187-818C-C69CAAB85054}" type="datetimeFigureOut">
               <a:rPr lang="en-US" smtClean="0"/>
-              <a:t>10/10/2024</a:t>
+              <a:t>12/06/2025</a:t>
             </a:fld>
             <a:endParaRPr lang="en-US"/>
           </a:p>
@@ -3049,7 +3049,7 @@
           <a:p>
             <a:fld id="{A765B8F1-23B3-4187-818C-C69CAAB85054}" type="datetimeFigureOut">
               <a:rPr lang="en-US" smtClean="0"/>
-              <a:t>10/10/2024</a:t>
+              <a:t>12/06/2025</a:t>
             </a:fld>
             <a:endParaRPr lang="en-US"/>
           </a:p>
@@ -3290,7 +3290,7 @@
           <a:p>
             <a:fld id="{A765B8F1-23B3-4187-818C-C69CAAB85054}" type="datetimeFigureOut">
               <a:rPr lang="en-US" smtClean="0"/>
-              <a:t>10/10/2024</a:t>
+              <a:t>12/06/2025</a:t>
             </a:fld>
             <a:endParaRPr lang="en-US"/>
           </a:p>
@@ -4184,7 +4184,7 @@
                   <a:ea typeface="Meiryo" panose="020B0604030504040204" pitchFamily="34" charset="-128"/>
                   <a:cs typeface="Arial" panose="020B0604020202020204" pitchFamily="34" charset="0"/>
                 </a:rPr>
-                <a:t>Примеры</a:t>
+                <a:t>Примеры циклов</a:t>
               </a:r>
               <a:endParaRPr lang="en-US" sz="4800" dirty="0">
                 <a:solidFill>
@@ -4200,15 +4200,15 @@
       </p:grpSp>
       <p:pic>
         <p:nvPicPr>
-          <p:cNvPr id="9" name="Content Placeholder 4">
-            <a:extLst>
-              <a:ext uri="{FF2B5EF4-FFF2-40B4-BE49-F238E27FC236}">
-                <a16:creationId xmlns:a16="http://schemas.microsoft.com/office/drawing/2014/main" id="{2FDAD329-D4E3-E954-2D3D-86F60916DF20}"/>
+          <p:cNvPr id="6" name="Picture 5">
+            <a:extLst>
+              <a:ext uri="{FF2B5EF4-FFF2-40B4-BE49-F238E27FC236}">
+                <a16:creationId xmlns:a16="http://schemas.microsoft.com/office/drawing/2014/main" id="{D510DFD2-0061-491E-91DF-5C56A774C256}"/>
               </a:ext>
             </a:extLst>
           </p:cNvPr>
           <p:cNvPicPr>
-            <a:picLocks noGrp="1" noChangeAspect="1"/>
+            <a:picLocks noChangeAspect="1"/>
           </p:cNvPicPr>
           <p:nvPr/>
         </p:nvPicPr>
@@ -4220,8 +4220,50 @@
         </p:blipFill>
         <p:spPr>
           <a:xfrm>
-            <a:off x="1912848" y="1647214"/>
-            <a:ext cx="8366305" cy="4730279"/>
+            <a:off x="2463314" y="1647214"/>
+            <a:ext cx="3442860" cy="4946501"/>
+          </a:xfrm>
+          <a:prstGeom prst="rect">
+            <a:avLst/>
+          </a:prstGeom>
+          <a:ln w="50800">
+            <a:solidFill>
+              <a:srgbClr val="909090"/>
+            </a:solidFill>
+          </a:ln>
+          <a:effectLst>
+            <a:outerShdw blurRad="50800" dist="165100" dir="2700000" algn="tl" rotWithShape="0">
+              <a:prstClr val="black">
+                <a:alpha val="40000"/>
+              </a:prstClr>
+            </a:outerShdw>
+          </a:effectLst>
+        </p:spPr>
+      </p:pic>
+      <p:pic>
+        <p:nvPicPr>
+          <p:cNvPr id="8" name="Picture 7">
+            <a:extLst>
+              <a:ext uri="{FF2B5EF4-FFF2-40B4-BE49-F238E27FC236}">
+                <a16:creationId xmlns:a16="http://schemas.microsoft.com/office/drawing/2014/main" id="{72A3B715-5156-4680-8913-1E0A2D901A36}"/>
+              </a:ext>
+            </a:extLst>
+          </p:cNvPr>
+          <p:cNvPicPr>
+            <a:picLocks noChangeAspect="1"/>
+          </p:cNvPicPr>
+          <p:nvPr/>
+        </p:nvPicPr>
+        <p:blipFill>
+          <a:blip r:embed="rId4"/>
+          <a:stretch>
+            <a:fillRect/>
+          </a:stretch>
+        </p:blipFill>
+        <p:spPr>
+          <a:xfrm>
+            <a:off x="6617613" y="1647214"/>
+            <a:ext cx="3111074" cy="4946501"/>
           </a:xfrm>
           <a:prstGeom prst="rect">
             <a:avLst/>
@@ -6876,33 +6918,28 @@
       </p:grpSp>
       <p:pic>
         <p:nvPicPr>
-          <p:cNvPr id="7" name="Content Placeholder 4" descr="Diagram&#10;&#10;Description automatically generated">
-            <a:extLst>
-              <a:ext uri="{FF2B5EF4-FFF2-40B4-BE49-F238E27FC236}">
-                <a16:creationId xmlns:a16="http://schemas.microsoft.com/office/drawing/2014/main" id="{D62AC185-A46A-D6D2-F0DA-767F63B3AA5C}"/>
+          <p:cNvPr id="3" name="Picture 2">
+            <a:extLst>
+              <a:ext uri="{FF2B5EF4-FFF2-40B4-BE49-F238E27FC236}">
+                <a16:creationId xmlns:a16="http://schemas.microsoft.com/office/drawing/2014/main" id="{31454AFC-218F-45FB-80C8-CDE61D571BE3}"/>
               </a:ext>
             </a:extLst>
           </p:cNvPr>
           <p:cNvPicPr>
-            <a:picLocks noGrp="1" noChangeAspect="1"/>
+            <a:picLocks noChangeAspect="1"/>
           </p:cNvPicPr>
           <p:nvPr/>
         </p:nvPicPr>
-        <p:blipFill rotWithShape="1">
-          <a:blip r:embed="rId3">
-            <a:extLst>
-              <a:ext uri="{28A0092B-C50C-407E-A947-70E740481C1C}">
-                <a14:useLocalDpi xmlns:a14="http://schemas.microsoft.com/office/drawing/2010/main" val="0"/>
-              </a:ext>
-            </a:extLst>
-          </a:blip>
-          <a:srcRect t="5936" r="9978"/>
-          <a:stretch/>
+        <p:blipFill>
+          <a:blip r:embed="rId3"/>
+          <a:stretch>
+            <a:fillRect/>
+          </a:stretch>
         </p:blipFill>
         <p:spPr>
           <a:xfrm>
-            <a:off x="2899968" y="1584461"/>
-            <a:ext cx="6392065" cy="5009255"/>
+            <a:off x="4058424" y="1584461"/>
+            <a:ext cx="4075152" cy="5009255"/>
           </a:xfrm>
           <a:prstGeom prst="rect">
             <a:avLst/>
@@ -7133,15 +7170,15 @@
       </p:grpSp>
       <p:pic>
         <p:nvPicPr>
-          <p:cNvPr id="8" name="Content Placeholder 4">
-            <a:extLst>
-              <a:ext uri="{FF2B5EF4-FFF2-40B4-BE49-F238E27FC236}">
-                <a16:creationId xmlns:a16="http://schemas.microsoft.com/office/drawing/2014/main" id="{B4C9236C-814D-E13F-257E-8CFB763A3E2A}"/>
+          <p:cNvPr id="6" name="Picture 5">
+            <a:extLst>
+              <a:ext uri="{FF2B5EF4-FFF2-40B4-BE49-F238E27FC236}">
+                <a16:creationId xmlns:a16="http://schemas.microsoft.com/office/drawing/2014/main" id="{BA16A89F-4A6C-4E6D-AF51-2A026B68693D}"/>
               </a:ext>
             </a:extLst>
           </p:cNvPr>
           <p:cNvPicPr>
-            <a:picLocks noGrp="1" noChangeAspect="1"/>
+            <a:picLocks noChangeAspect="1"/>
           </p:cNvPicPr>
           <p:nvPr/>
         </p:nvPicPr>
@@ -7153,8 +7190,92 @@
         </p:blipFill>
         <p:spPr>
           <a:xfrm>
-            <a:off x="583943" y="1647215"/>
-            <a:ext cx="11024115" cy="4766877"/>
+            <a:off x="1135585" y="1647214"/>
+            <a:ext cx="3253404" cy="4946501"/>
+          </a:xfrm>
+          <a:prstGeom prst="rect">
+            <a:avLst/>
+          </a:prstGeom>
+          <a:ln w="50800">
+            <a:solidFill>
+              <a:srgbClr val="909090"/>
+            </a:solidFill>
+          </a:ln>
+          <a:effectLst>
+            <a:outerShdw blurRad="50800" dist="165100" dir="2700000" algn="tl" rotWithShape="0">
+              <a:prstClr val="black">
+                <a:alpha val="40000"/>
+              </a:prstClr>
+            </a:outerShdw>
+          </a:effectLst>
+        </p:spPr>
+      </p:pic>
+      <p:pic>
+        <p:nvPicPr>
+          <p:cNvPr id="10" name="Picture 9">
+            <a:extLst>
+              <a:ext uri="{FF2B5EF4-FFF2-40B4-BE49-F238E27FC236}">
+                <a16:creationId xmlns:a16="http://schemas.microsoft.com/office/drawing/2014/main" id="{AB116721-7AFE-4C80-A7E0-C0BBF3E599B2}"/>
+              </a:ext>
+            </a:extLst>
+          </p:cNvPr>
+          <p:cNvPicPr>
+            <a:picLocks noChangeAspect="1"/>
+          </p:cNvPicPr>
+          <p:nvPr/>
+        </p:nvPicPr>
+        <p:blipFill>
+          <a:blip r:embed="rId4"/>
+          <a:stretch>
+            <a:fillRect/>
+          </a:stretch>
+        </p:blipFill>
+        <p:spPr>
+          <a:xfrm>
+            <a:off x="4795190" y="1647214"/>
+            <a:ext cx="2929800" cy="4946501"/>
+          </a:xfrm>
+          <a:prstGeom prst="rect">
+            <a:avLst/>
+          </a:prstGeom>
+          <a:ln w="50800">
+            <a:solidFill>
+              <a:srgbClr val="909090"/>
+            </a:solidFill>
+          </a:ln>
+          <a:effectLst>
+            <a:outerShdw blurRad="50800" dist="165100" dir="2700000" algn="tl" rotWithShape="0">
+              <a:prstClr val="black">
+                <a:alpha val="40000"/>
+              </a:prstClr>
+            </a:outerShdw>
+          </a:effectLst>
+        </p:spPr>
+      </p:pic>
+      <p:pic>
+        <p:nvPicPr>
+          <p:cNvPr id="14" name="Picture 13">
+            <a:extLst>
+              <a:ext uri="{FF2B5EF4-FFF2-40B4-BE49-F238E27FC236}">
+                <a16:creationId xmlns:a16="http://schemas.microsoft.com/office/drawing/2014/main" id="{E3BADD48-FFD9-4DB8-A014-8B2755FF1B07}"/>
+              </a:ext>
+            </a:extLst>
+          </p:cNvPr>
+          <p:cNvPicPr>
+            <a:picLocks noChangeAspect="1"/>
+          </p:cNvPicPr>
+          <p:nvPr/>
+        </p:nvPicPr>
+        <p:blipFill>
+          <a:blip r:embed="rId5"/>
+          <a:stretch>
+            <a:fillRect/>
+          </a:stretch>
+        </p:blipFill>
+        <p:spPr>
+          <a:xfrm>
+            <a:off x="8131191" y="1647214"/>
+            <a:ext cx="2625349" cy="4946501"/>
           </a:xfrm>
           <a:prstGeom prst="rect">
             <a:avLst/>
